--- a/Customer Support/프로젝트 개요 및 추진 목적.pptx
+++ b/Customer Support/프로젝트 개요 및 추진 목적.pptx
@@ -202,7 +202,7 @@
           <a:p>
             <a:fld id="{020C9A9D-8325-4BC4-B9DB-4A59D5B18EB4}" type="datetimeFigureOut">
               <a:rPr lang="ko-KR" altLang="en-US" smtClean="0"/>
-              <a:t>2025-04-10(Thu)</a:t>
+              <a:t>2025-04-13(Sun)</a:t>
             </a:fld>
             <a:endParaRPr lang="ko-KR" altLang="en-US"/>
           </a:p>
@@ -778,7 +778,7 @@
           <a:p>
             <a:fld id="{9B2E70C5-D8A3-4A82-A4D2-6FAA7EF382E8}" type="datetimeFigureOut">
               <a:rPr lang="ko-KR" altLang="en-US" smtClean="0"/>
-              <a:t>2025-04-10(Thu)</a:t>
+              <a:t>2025-04-13(Sun)</a:t>
             </a:fld>
             <a:endParaRPr lang="ko-KR" altLang="en-US"/>
           </a:p>
@@ -948,7 +948,7 @@
           <a:p>
             <a:fld id="{9B2E70C5-D8A3-4A82-A4D2-6FAA7EF382E8}" type="datetimeFigureOut">
               <a:rPr lang="ko-KR" altLang="en-US" smtClean="0"/>
-              <a:t>2025-04-10(Thu)</a:t>
+              <a:t>2025-04-13(Sun)</a:t>
             </a:fld>
             <a:endParaRPr lang="ko-KR" altLang="en-US"/>
           </a:p>
@@ -1128,7 +1128,7 @@
           <a:p>
             <a:fld id="{9B2E70C5-D8A3-4A82-A4D2-6FAA7EF382E8}" type="datetimeFigureOut">
               <a:rPr lang="ko-KR" altLang="en-US" smtClean="0"/>
-              <a:t>2025-04-10(Thu)</a:t>
+              <a:t>2025-04-13(Sun)</a:t>
             </a:fld>
             <a:endParaRPr lang="ko-KR" altLang="en-US"/>
           </a:p>
@@ -1298,7 +1298,7 @@
           <a:p>
             <a:fld id="{9B2E70C5-D8A3-4A82-A4D2-6FAA7EF382E8}" type="datetimeFigureOut">
               <a:rPr lang="ko-KR" altLang="en-US" smtClean="0"/>
-              <a:t>2025-04-10(Thu)</a:t>
+              <a:t>2025-04-13(Sun)</a:t>
             </a:fld>
             <a:endParaRPr lang="ko-KR" altLang="en-US"/>
           </a:p>
@@ -1542,7 +1542,7 @@
           <a:p>
             <a:fld id="{9B2E70C5-D8A3-4A82-A4D2-6FAA7EF382E8}" type="datetimeFigureOut">
               <a:rPr lang="ko-KR" altLang="en-US" smtClean="0"/>
-              <a:t>2025-04-10(Thu)</a:t>
+              <a:t>2025-04-13(Sun)</a:t>
             </a:fld>
             <a:endParaRPr lang="ko-KR" altLang="en-US"/>
           </a:p>
@@ -1774,7 +1774,7 @@
           <a:p>
             <a:fld id="{9B2E70C5-D8A3-4A82-A4D2-6FAA7EF382E8}" type="datetimeFigureOut">
               <a:rPr lang="ko-KR" altLang="en-US" smtClean="0"/>
-              <a:t>2025-04-10(Thu)</a:t>
+              <a:t>2025-04-13(Sun)</a:t>
             </a:fld>
             <a:endParaRPr lang="ko-KR" altLang="en-US"/>
           </a:p>
@@ -2141,7 +2141,7 @@
           <a:p>
             <a:fld id="{9B2E70C5-D8A3-4A82-A4D2-6FAA7EF382E8}" type="datetimeFigureOut">
               <a:rPr lang="ko-KR" altLang="en-US" smtClean="0"/>
-              <a:t>2025-04-10(Thu)</a:t>
+              <a:t>2025-04-13(Sun)</a:t>
             </a:fld>
             <a:endParaRPr lang="ko-KR" altLang="en-US"/>
           </a:p>
@@ -2259,7 +2259,7 @@
           <a:p>
             <a:fld id="{9B2E70C5-D8A3-4A82-A4D2-6FAA7EF382E8}" type="datetimeFigureOut">
               <a:rPr lang="ko-KR" altLang="en-US" smtClean="0"/>
-              <a:t>2025-04-10(Thu)</a:t>
+              <a:t>2025-04-13(Sun)</a:t>
             </a:fld>
             <a:endParaRPr lang="ko-KR" altLang="en-US"/>
           </a:p>
@@ -2354,7 +2354,7 @@
           <a:p>
             <a:fld id="{9B2E70C5-D8A3-4A82-A4D2-6FAA7EF382E8}" type="datetimeFigureOut">
               <a:rPr lang="ko-KR" altLang="en-US" smtClean="0"/>
-              <a:t>2025-04-10(Thu)</a:t>
+              <a:t>2025-04-13(Sun)</a:t>
             </a:fld>
             <a:endParaRPr lang="ko-KR" altLang="en-US"/>
           </a:p>
@@ -2631,7 +2631,7 @@
           <a:p>
             <a:fld id="{9B2E70C5-D8A3-4A82-A4D2-6FAA7EF382E8}" type="datetimeFigureOut">
               <a:rPr lang="ko-KR" altLang="en-US" smtClean="0"/>
-              <a:t>2025-04-10(Thu)</a:t>
+              <a:t>2025-04-13(Sun)</a:t>
             </a:fld>
             <a:endParaRPr lang="ko-KR" altLang="en-US"/>
           </a:p>
@@ -2888,7 +2888,7 @@
           <a:p>
             <a:fld id="{9B2E70C5-D8A3-4A82-A4D2-6FAA7EF382E8}" type="datetimeFigureOut">
               <a:rPr lang="ko-KR" altLang="en-US" smtClean="0"/>
-              <a:t>2025-04-10(Thu)</a:t>
+              <a:t>2025-04-13(Sun)</a:t>
             </a:fld>
             <a:endParaRPr lang="ko-KR" altLang="en-US"/>
           </a:p>
@@ -3101,7 +3101,7 @@
           <a:p>
             <a:fld id="{9B2E70C5-D8A3-4A82-A4D2-6FAA7EF382E8}" type="datetimeFigureOut">
               <a:rPr lang="ko-KR" altLang="en-US" smtClean="0"/>
-              <a:t>2025-04-10(Thu)</a:t>
+              <a:t>2025-04-13(Sun)</a:t>
             </a:fld>
             <a:endParaRPr lang="ko-KR" altLang="en-US"/>
           </a:p>
@@ -4851,7 +4851,7 @@
               <a:t>안녕하세요 고객님 </a:t>
             </a:r>
             <a:r>
-              <a:rPr lang="ko-KR" altLang="en-US" sz="1600" dirty="0" err="1">
+              <a:rPr lang="en-US" altLang="ko-KR" sz="1600" dirty="0">
                 <a:solidFill>
                   <a:schemeClr val="accent6">
                     <a:lumMod val="60000"/>
@@ -4861,7 +4861,7 @@
                 <a:latin typeface="나눔스퀘어OTF" panose="020B0600000101010101" pitchFamily="34" charset="-127"/>
                 <a:ea typeface="나눔스퀘어OTF" panose="020B0600000101010101" pitchFamily="34" charset="-127"/>
               </a:rPr>
-              <a:t>아이베</a:t>
+              <a:t>000</a:t>
             </a:r>
             <a:r>
               <a:rPr lang="ko-KR" altLang="en-US" sz="1600" dirty="0">
@@ -4874,10 +4874,10 @@
                 <a:latin typeface="나눔스퀘어OTF" panose="020B0600000101010101" pitchFamily="34" charset="-127"/>
                 <a:ea typeface="나눔스퀘어OTF" panose="020B0600000101010101" pitchFamily="34" charset="-127"/>
               </a:rPr>
-              <a:t> 총판 </a:t>
-            </a:r>
-            <a:r>
-              <a:rPr lang="ko-KR" altLang="en-US" sz="1600" dirty="0" err="1">
+              <a:t>고객센터 입니다</a:t>
+            </a:r>
+            <a:r>
+              <a:rPr lang="en-US" altLang="ko-KR" sz="1600">
                 <a:solidFill>
                   <a:schemeClr val="accent6">
                     <a:lumMod val="60000"/>
@@ -4887,21 +4887,18 @@
                 <a:latin typeface="나눔스퀘어OTF" panose="020B0600000101010101" pitchFamily="34" charset="-127"/>
                 <a:ea typeface="나눔스퀘어OTF" panose="020B0600000101010101" pitchFamily="34" charset="-127"/>
               </a:rPr>
-              <a:t>드리미입니다</a:t>
-            </a:r>
-            <a:r>
-              <a:rPr lang="en-US" altLang="ko-KR" sz="1600" dirty="0">
-                <a:solidFill>
-                  <a:schemeClr val="accent6">
-                    <a:lumMod val="60000"/>
-                    <a:lumOff val="40000"/>
-                  </a:schemeClr>
-                </a:solidFill>
-                <a:latin typeface="나눔스퀘어OTF" panose="020B0600000101010101" pitchFamily="34" charset="-127"/>
-                <a:ea typeface="나눔스퀘어OTF" panose="020B0600000101010101" pitchFamily="34" charset="-127"/>
-              </a:rPr>
-              <a:t>. </a:t>
-            </a:r>
+              <a:t>.. </a:t>
+            </a:r>
+            <a:endParaRPr lang="en-US" altLang="ko-KR" sz="1600" dirty="0">
+              <a:solidFill>
+                <a:schemeClr val="accent6">
+                  <a:lumMod val="60000"/>
+                  <a:lumOff val="40000"/>
+                </a:schemeClr>
+              </a:solidFill>
+              <a:latin typeface="나눔스퀘어OTF" panose="020B0600000101010101" pitchFamily="34" charset="-127"/>
+              <a:ea typeface="나눔스퀘어OTF" panose="020B0600000101010101" pitchFamily="34" charset="-127"/>
+            </a:endParaRPr>
           </a:p>
           <a:p>
             <a:endParaRPr lang="en-US" altLang="ko-KR" sz="1600" dirty="0">
